--- a/illustrations.pptx
+++ b/illustrations.pptx
@@ -6,6 +6,7 @@
   </p:sldMasterIdLst>
   <p:sldIdLst>
     <p:sldId id="256" r:id="rId2"/>
+    <p:sldId id="257" r:id="rId3"/>
   </p:sldIdLst>
   <p:sldSz cx="9144000" cy="6858000" type="screen4x3"/>
   <p:notesSz cx="6858000" cy="9144000"/>
@@ -3186,6 +3187,529 @@
 </p:sld>
 </file>
 
+<file path=ppt/slides/slide2.xml><?xml version="1.0" encoding="utf-8"?>
+<p:sld xmlns:a="http://schemas.openxmlformats.org/drawingml/2006/main" xmlns:r="http://schemas.openxmlformats.org/officeDocument/2006/relationships" xmlns:p="http://schemas.openxmlformats.org/presentationml/2006/main">
+  <p:cSld>
+    <p:spTree>
+      <p:nvGrpSpPr>
+        <p:cNvPr id="1" name=""/>
+        <p:cNvGrpSpPr/>
+        <p:nvPr/>
+      </p:nvGrpSpPr>
+      <p:grpSpPr>
+        <a:xfrm>
+          <a:off x="0" y="0"/>
+          <a:ext cx="0" cy="0"/>
+          <a:chOff x="0" y="0"/>
+          <a:chExt cx="0" cy="0"/>
+        </a:xfrm>
+      </p:grpSpPr>
+      <p:cxnSp>
+        <p:nvCxnSpPr>
+          <p:cNvPr id="3" name="Connecteur droit 2"/>
+          <p:cNvCxnSpPr/>
+          <p:nvPr/>
+        </p:nvCxnSpPr>
+        <p:spPr>
+          <a:xfrm>
+            <a:off x="899592" y="3573016"/>
+            <a:ext cx="6768752" cy="0"/>
+          </a:xfrm>
+          <a:prstGeom prst="line">
+            <a:avLst/>
+          </a:prstGeom>
+          <a:ln w="28575">
+            <a:solidFill>
+              <a:schemeClr val="accent1"/>
+            </a:solidFill>
+            <a:tailEnd type="triangle" w="lg" len="lg"/>
+          </a:ln>
+        </p:spPr>
+        <p:style>
+          <a:lnRef idx="1">
+            <a:schemeClr val="accent1"/>
+          </a:lnRef>
+          <a:fillRef idx="0">
+            <a:schemeClr val="accent1"/>
+          </a:fillRef>
+          <a:effectRef idx="0">
+            <a:schemeClr val="accent1"/>
+          </a:effectRef>
+          <a:fontRef idx="minor">
+            <a:schemeClr val="tx1"/>
+          </a:fontRef>
+        </p:style>
+      </p:cxnSp>
+      <p:cxnSp>
+        <p:nvCxnSpPr>
+          <p:cNvPr id="4" name="Connecteur droit 3"/>
+          <p:cNvCxnSpPr/>
+          <p:nvPr/>
+        </p:nvCxnSpPr>
+        <p:spPr>
+          <a:xfrm flipV="1">
+            <a:off x="4211960" y="2420888"/>
+            <a:ext cx="0" cy="2376264"/>
+          </a:xfrm>
+          <a:prstGeom prst="line">
+            <a:avLst/>
+          </a:prstGeom>
+          <a:ln w="38100">
+            <a:solidFill>
+              <a:schemeClr val="accent1"/>
+            </a:solidFill>
+            <a:headEnd type="triangle" w="lg" len="lg"/>
+            <a:tailEnd type="triangle" w="lg" len="lg"/>
+          </a:ln>
+        </p:spPr>
+        <p:style>
+          <a:lnRef idx="1">
+            <a:schemeClr val="accent1"/>
+          </a:lnRef>
+          <a:fillRef idx="0">
+            <a:schemeClr val="accent1"/>
+          </a:fillRef>
+          <a:effectRef idx="0">
+            <a:schemeClr val="accent1"/>
+          </a:effectRef>
+          <a:fontRef idx="minor">
+            <a:schemeClr val="tx1"/>
+          </a:fontRef>
+        </p:style>
+      </p:cxnSp>
+      <p:sp>
+        <p:nvSpPr>
+          <p:cNvPr id="7" name="ZoneTexte 6"/>
+          <p:cNvSpPr txBox="1"/>
+          <p:nvPr/>
+        </p:nvSpPr>
+        <p:spPr>
+          <a:xfrm>
+            <a:off x="7236296" y="3501008"/>
+            <a:ext cx="300082" cy="369332"/>
+          </a:xfrm>
+          <a:prstGeom prst="rect">
+            <a:avLst/>
+          </a:prstGeom>
+          <a:noFill/>
+        </p:spPr>
+        <p:txBody>
+          <a:bodyPr wrap="none" rtlCol="0">
+            <a:spAutoFit/>
+          </a:bodyPr>
+          <a:lstStyle/>
+          <a:p>
+            <a:r>
+              <a:rPr lang="fr-FR" i="1" dirty="0" smtClean="0">
+                <a:latin typeface="Helvetica" pitchFamily="34" charset="0"/>
+              </a:rPr>
+              <a:t>z</a:t>
+            </a:r>
+            <a:endParaRPr lang="fr-FR" i="1" dirty="0">
+              <a:latin typeface="Helvetica" pitchFamily="34" charset="0"/>
+            </a:endParaRPr>
+          </a:p>
+        </p:txBody>
+      </p:sp>
+      <p:cxnSp>
+        <p:nvCxnSpPr>
+          <p:cNvPr id="8" name="Connecteur droit 7"/>
+          <p:cNvCxnSpPr/>
+          <p:nvPr/>
+        </p:nvCxnSpPr>
+        <p:spPr>
+          <a:xfrm flipV="1">
+            <a:off x="1403648" y="2996952"/>
+            <a:ext cx="0" cy="584448"/>
+          </a:xfrm>
+          <a:prstGeom prst="line">
+            <a:avLst/>
+          </a:prstGeom>
+          <a:ln w="19050">
+            <a:solidFill>
+              <a:schemeClr val="accent1"/>
+            </a:solidFill>
+            <a:tailEnd type="triangle" w="lg" len="lg"/>
+          </a:ln>
+        </p:spPr>
+        <p:style>
+          <a:lnRef idx="1">
+            <a:schemeClr val="accent1"/>
+          </a:lnRef>
+          <a:fillRef idx="0">
+            <a:schemeClr val="accent1"/>
+          </a:fillRef>
+          <a:effectRef idx="0">
+            <a:schemeClr val="accent1"/>
+          </a:effectRef>
+          <a:fontRef idx="minor">
+            <a:schemeClr val="tx1"/>
+          </a:fontRef>
+        </p:style>
+      </p:cxnSp>
+      <p:cxnSp>
+        <p:nvCxnSpPr>
+          <p:cNvPr id="11" name="Connecteur droit 10"/>
+          <p:cNvCxnSpPr/>
+          <p:nvPr/>
+        </p:nvCxnSpPr>
+        <p:spPr>
+          <a:xfrm>
+            <a:off x="1403648" y="2996952"/>
+            <a:ext cx="2808312" cy="0"/>
+          </a:xfrm>
+          <a:prstGeom prst="line">
+            <a:avLst/>
+          </a:prstGeom>
+          <a:ln w="19050">
+            <a:solidFill>
+              <a:schemeClr val="accent1"/>
+            </a:solidFill>
+            <a:prstDash val="sysDash"/>
+            <a:tailEnd type="none" w="lg" len="lg"/>
+          </a:ln>
+        </p:spPr>
+        <p:style>
+          <a:lnRef idx="1">
+            <a:schemeClr val="accent1"/>
+          </a:lnRef>
+          <a:fillRef idx="0">
+            <a:schemeClr val="accent1"/>
+          </a:fillRef>
+          <a:effectRef idx="0">
+            <a:schemeClr val="accent1"/>
+          </a:effectRef>
+          <a:fontRef idx="minor">
+            <a:schemeClr val="tx1"/>
+          </a:fontRef>
+        </p:style>
+      </p:cxnSp>
+      <p:cxnSp>
+        <p:nvCxnSpPr>
+          <p:cNvPr id="13" name="Connecteur droit 12"/>
+          <p:cNvCxnSpPr/>
+          <p:nvPr/>
+        </p:nvCxnSpPr>
+        <p:spPr>
+          <a:xfrm rot="16200000" flipV="1">
+            <a:off x="3383868" y="3537013"/>
+            <a:ext cx="216024" cy="0"/>
+          </a:xfrm>
+          <a:prstGeom prst="line">
+            <a:avLst/>
+          </a:prstGeom>
+          <a:ln w="28575">
+            <a:solidFill>
+              <a:schemeClr val="accent1"/>
+            </a:solidFill>
+            <a:tailEnd type="none" w="lg" len="lg"/>
+          </a:ln>
+        </p:spPr>
+        <p:style>
+          <a:lnRef idx="1">
+            <a:schemeClr val="accent1"/>
+          </a:lnRef>
+          <a:fillRef idx="0">
+            <a:schemeClr val="accent1"/>
+          </a:fillRef>
+          <a:effectRef idx="0">
+            <a:schemeClr val="accent1"/>
+          </a:effectRef>
+          <a:fontRef idx="minor">
+            <a:schemeClr val="tx1"/>
+          </a:fontRef>
+        </p:style>
+      </p:cxnSp>
+      <p:cxnSp>
+        <p:nvCxnSpPr>
+          <p:cNvPr id="15" name="Connecteur droit 14"/>
+          <p:cNvCxnSpPr/>
+          <p:nvPr/>
+        </p:nvCxnSpPr>
+        <p:spPr>
+          <a:xfrm rot="16200000" flipV="1">
+            <a:off x="4824028" y="3537012"/>
+            <a:ext cx="216024" cy="0"/>
+          </a:xfrm>
+          <a:prstGeom prst="line">
+            <a:avLst/>
+          </a:prstGeom>
+          <a:ln w="28575">
+            <a:solidFill>
+              <a:schemeClr val="accent1"/>
+            </a:solidFill>
+            <a:tailEnd type="none" w="lg" len="lg"/>
+          </a:ln>
+        </p:spPr>
+        <p:style>
+          <a:lnRef idx="1">
+            <a:schemeClr val="accent1"/>
+          </a:lnRef>
+          <a:fillRef idx="0">
+            <a:schemeClr val="accent1"/>
+          </a:fillRef>
+          <a:effectRef idx="0">
+            <a:schemeClr val="accent1"/>
+          </a:effectRef>
+          <a:fontRef idx="minor">
+            <a:schemeClr val="tx1"/>
+          </a:fontRef>
+        </p:style>
+      </p:cxnSp>
+      <p:cxnSp>
+        <p:nvCxnSpPr>
+          <p:cNvPr id="21" name="Connecteur droit 20"/>
+          <p:cNvCxnSpPr/>
+          <p:nvPr/>
+        </p:nvCxnSpPr>
+        <p:spPr>
+          <a:xfrm>
+            <a:off x="4211960" y="2996952"/>
+            <a:ext cx="2304256" cy="1800200"/>
+          </a:xfrm>
+          <a:prstGeom prst="line">
+            <a:avLst/>
+          </a:prstGeom>
+          <a:ln w="19050">
+            <a:solidFill>
+              <a:schemeClr val="accent1"/>
+            </a:solidFill>
+            <a:prstDash val="sysDash"/>
+            <a:tailEnd type="none" w="lg" len="lg"/>
+          </a:ln>
+        </p:spPr>
+        <p:style>
+          <a:lnRef idx="1">
+            <a:schemeClr val="accent1"/>
+          </a:lnRef>
+          <a:fillRef idx="0">
+            <a:schemeClr val="accent1"/>
+          </a:fillRef>
+          <a:effectRef idx="0">
+            <a:schemeClr val="accent1"/>
+          </a:effectRef>
+          <a:fontRef idx="minor">
+            <a:schemeClr val="tx1"/>
+          </a:fontRef>
+        </p:style>
+      </p:cxnSp>
+      <p:cxnSp>
+        <p:nvCxnSpPr>
+          <p:cNvPr id="24" name="Connecteur droit 23"/>
+          <p:cNvCxnSpPr/>
+          <p:nvPr/>
+        </p:nvCxnSpPr>
+        <p:spPr>
+          <a:xfrm>
+            <a:off x="1403648" y="2996952"/>
+            <a:ext cx="5760640" cy="1152128"/>
+          </a:xfrm>
+          <a:prstGeom prst="line">
+            <a:avLst/>
+          </a:prstGeom>
+          <a:ln w="19050">
+            <a:solidFill>
+              <a:schemeClr val="accent1"/>
+            </a:solidFill>
+            <a:prstDash val="sysDash"/>
+            <a:tailEnd type="none" w="lg" len="lg"/>
+          </a:ln>
+        </p:spPr>
+        <p:style>
+          <a:lnRef idx="1">
+            <a:schemeClr val="accent1"/>
+          </a:lnRef>
+          <a:fillRef idx="0">
+            <a:schemeClr val="accent1"/>
+          </a:fillRef>
+          <a:effectRef idx="0">
+            <a:schemeClr val="accent1"/>
+          </a:effectRef>
+          <a:fontRef idx="minor">
+            <a:schemeClr val="tx1"/>
+          </a:fontRef>
+        </p:style>
+      </p:cxnSp>
+      <p:cxnSp>
+        <p:nvCxnSpPr>
+          <p:cNvPr id="28" name="Connecteur droit 27"/>
+          <p:cNvCxnSpPr/>
+          <p:nvPr/>
+        </p:nvCxnSpPr>
+        <p:spPr>
+          <a:xfrm>
+            <a:off x="5220072" y="3573016"/>
+            <a:ext cx="0" cy="216024"/>
+          </a:xfrm>
+          <a:prstGeom prst="line">
+            <a:avLst/>
+          </a:prstGeom>
+          <a:ln w="19050">
+            <a:solidFill>
+              <a:schemeClr val="accent1"/>
+            </a:solidFill>
+            <a:tailEnd type="triangle" w="lg" len="lg"/>
+          </a:ln>
+        </p:spPr>
+        <p:style>
+          <a:lnRef idx="1">
+            <a:schemeClr val="accent1"/>
+          </a:lnRef>
+          <a:fillRef idx="0">
+            <a:schemeClr val="accent1"/>
+          </a:fillRef>
+          <a:effectRef idx="0">
+            <a:schemeClr val="accent1"/>
+          </a:effectRef>
+          <a:fontRef idx="minor">
+            <a:schemeClr val="tx1"/>
+          </a:fontRef>
+        </p:style>
+      </p:cxnSp>
+      <p:sp>
+        <p:nvSpPr>
+          <p:cNvPr id="30" name="ZoneTexte 29"/>
+          <p:cNvSpPr txBox="1"/>
+          <p:nvPr/>
+        </p:nvSpPr>
+        <p:spPr>
+          <a:xfrm>
+            <a:off x="1043608" y="2780928"/>
+            <a:ext cx="343364" cy="369332"/>
+          </a:xfrm>
+          <a:prstGeom prst="rect">
+            <a:avLst/>
+          </a:prstGeom>
+          <a:noFill/>
+        </p:spPr>
+        <p:txBody>
+          <a:bodyPr wrap="none" rtlCol="0">
+            <a:spAutoFit/>
+          </a:bodyPr>
+          <a:lstStyle/>
+          <a:p>
+            <a:r>
+              <a:rPr lang="fr-FR" i="1" dirty="0" smtClean="0">
+                <a:latin typeface="Helvetica" pitchFamily="34" charset="0"/>
+              </a:rPr>
+              <a:t>A</a:t>
+            </a:r>
+            <a:endParaRPr lang="fr-FR" i="1" dirty="0">
+              <a:latin typeface="Helvetica" pitchFamily="34" charset="0"/>
+            </a:endParaRPr>
+          </a:p>
+        </p:txBody>
+      </p:sp>
+      <p:sp>
+        <p:nvSpPr>
+          <p:cNvPr id="31" name="ZoneTexte 30"/>
+          <p:cNvSpPr txBox="1"/>
+          <p:nvPr/>
+        </p:nvSpPr>
+        <p:spPr>
+          <a:xfrm>
+            <a:off x="4860032" y="3789040"/>
+            <a:ext cx="381836" cy="369332"/>
+          </a:xfrm>
+          <a:prstGeom prst="rect">
+            <a:avLst/>
+          </a:prstGeom>
+          <a:noFill/>
+        </p:spPr>
+        <p:txBody>
+          <a:bodyPr wrap="none" rtlCol="0">
+            <a:spAutoFit/>
+          </a:bodyPr>
+          <a:lstStyle/>
+          <a:p>
+            <a:r>
+              <a:rPr lang="fr-FR" i="1" dirty="0" smtClean="0">
+                <a:latin typeface="Helvetica" pitchFamily="34" charset="0"/>
+              </a:rPr>
+              <a:t>A’</a:t>
+            </a:r>
+            <a:endParaRPr lang="fr-FR" i="1" dirty="0">
+              <a:latin typeface="Helvetica" pitchFamily="34" charset="0"/>
+            </a:endParaRPr>
+          </a:p>
+        </p:txBody>
+      </p:sp>
+      <p:sp>
+        <p:nvSpPr>
+          <p:cNvPr id="32" name="ZoneTexte 31"/>
+          <p:cNvSpPr txBox="1"/>
+          <p:nvPr/>
+        </p:nvSpPr>
+        <p:spPr>
+          <a:xfrm>
+            <a:off x="3310166" y="3635732"/>
+            <a:ext cx="325730" cy="369332"/>
+          </a:xfrm>
+          <a:prstGeom prst="rect">
+            <a:avLst/>
+          </a:prstGeom>
+          <a:noFill/>
+        </p:spPr>
+        <p:txBody>
+          <a:bodyPr wrap="none" rtlCol="0">
+            <a:spAutoFit/>
+          </a:bodyPr>
+          <a:lstStyle/>
+          <a:p>
+            <a:r>
+              <a:rPr lang="fr-FR" i="1" dirty="0" smtClean="0">
+                <a:latin typeface="Helvetica" pitchFamily="34" charset="0"/>
+              </a:rPr>
+              <a:t>F</a:t>
+            </a:r>
+            <a:endParaRPr lang="fr-FR" i="1" dirty="0">
+              <a:latin typeface="Helvetica" pitchFamily="34" charset="0"/>
+            </a:endParaRPr>
+          </a:p>
+        </p:txBody>
+      </p:sp>
+      <p:sp>
+        <p:nvSpPr>
+          <p:cNvPr id="33" name="ZoneTexte 32"/>
+          <p:cNvSpPr txBox="1"/>
+          <p:nvPr/>
+        </p:nvSpPr>
+        <p:spPr>
+          <a:xfrm>
+            <a:off x="4788024" y="3140968"/>
+            <a:ext cx="377026" cy="369332"/>
+          </a:xfrm>
+          <a:prstGeom prst="rect">
+            <a:avLst/>
+          </a:prstGeom>
+          <a:noFill/>
+        </p:spPr>
+        <p:txBody>
+          <a:bodyPr wrap="none" rtlCol="0">
+            <a:spAutoFit/>
+          </a:bodyPr>
+          <a:lstStyle/>
+          <a:p>
+            <a:r>
+              <a:rPr lang="fr-FR" i="1" dirty="0" smtClean="0">
+                <a:latin typeface="Helvetica" pitchFamily="34" charset="0"/>
+              </a:rPr>
+              <a:t>F’</a:t>
+            </a:r>
+            <a:endParaRPr lang="fr-FR" i="1" dirty="0">
+              <a:latin typeface="Helvetica" pitchFamily="34" charset="0"/>
+            </a:endParaRPr>
+          </a:p>
+        </p:txBody>
+      </p:sp>
+    </p:spTree>
+  </p:cSld>
+  <p:clrMapOvr>
+    <a:masterClrMapping/>
+  </p:clrMapOvr>
+</p:sld>
+</file>
+
 <file path=ppt/theme/theme1.xml><?xml version="1.0" encoding="utf-8"?>
 <a:theme xmlns:a="http://schemas.openxmlformats.org/drawingml/2006/main" name="Thème Office">
   <a:themeElements>

--- a/illustrations.pptx
+++ b/illustrations.pptx
@@ -3204,15 +3204,536 @@
           <a:chExt cx="0" cy="0"/>
         </a:xfrm>
       </p:grpSpPr>
+      <p:grpSp>
+        <p:nvGrpSpPr>
+          <p:cNvPr id="34" name="Groupe 33"/>
+          <p:cNvGrpSpPr/>
+          <p:nvPr/>
+        </p:nvGrpSpPr>
+        <p:grpSpPr>
+          <a:xfrm>
+            <a:off x="1043608" y="692696"/>
+            <a:ext cx="6768752" cy="2376264"/>
+            <a:chOff x="899592" y="2420888"/>
+            <a:chExt cx="6768752" cy="2376264"/>
+          </a:xfrm>
+        </p:grpSpPr>
+        <p:cxnSp>
+          <p:nvCxnSpPr>
+            <p:cNvPr id="3" name="Connecteur droit 2"/>
+            <p:cNvCxnSpPr/>
+            <p:nvPr/>
+          </p:nvCxnSpPr>
+          <p:spPr>
+            <a:xfrm>
+              <a:off x="899592" y="3573016"/>
+              <a:ext cx="6768752" cy="0"/>
+            </a:xfrm>
+            <a:prstGeom prst="line">
+              <a:avLst/>
+            </a:prstGeom>
+            <a:ln w="28575">
+              <a:solidFill>
+                <a:schemeClr val="tx1"/>
+              </a:solidFill>
+              <a:tailEnd type="triangle" w="lg" len="lg"/>
+            </a:ln>
+          </p:spPr>
+          <p:style>
+            <a:lnRef idx="1">
+              <a:schemeClr val="accent1"/>
+            </a:lnRef>
+            <a:fillRef idx="0">
+              <a:schemeClr val="accent1"/>
+            </a:fillRef>
+            <a:effectRef idx="0">
+              <a:schemeClr val="accent1"/>
+            </a:effectRef>
+            <a:fontRef idx="minor">
+              <a:schemeClr val="tx1"/>
+            </a:fontRef>
+          </p:style>
+        </p:cxnSp>
+        <p:cxnSp>
+          <p:nvCxnSpPr>
+            <p:cNvPr id="4" name="Connecteur droit 3"/>
+            <p:cNvCxnSpPr/>
+            <p:nvPr/>
+          </p:nvCxnSpPr>
+          <p:spPr>
+            <a:xfrm flipV="1">
+              <a:off x="4211960" y="2420888"/>
+              <a:ext cx="0" cy="2376264"/>
+            </a:xfrm>
+            <a:prstGeom prst="line">
+              <a:avLst/>
+            </a:prstGeom>
+            <a:ln w="38100">
+              <a:solidFill>
+                <a:schemeClr val="tx2">
+                  <a:lumMod val="75000"/>
+                </a:schemeClr>
+              </a:solidFill>
+              <a:headEnd type="triangle" w="lg" len="lg"/>
+              <a:tailEnd type="triangle" w="lg" len="lg"/>
+            </a:ln>
+          </p:spPr>
+          <p:style>
+            <a:lnRef idx="1">
+              <a:schemeClr val="accent1"/>
+            </a:lnRef>
+            <a:fillRef idx="0">
+              <a:schemeClr val="accent1"/>
+            </a:fillRef>
+            <a:effectRef idx="0">
+              <a:schemeClr val="accent1"/>
+            </a:effectRef>
+            <a:fontRef idx="minor">
+              <a:schemeClr val="tx1"/>
+            </a:fontRef>
+          </p:style>
+        </p:cxnSp>
+        <p:sp>
+          <p:nvSpPr>
+            <p:cNvPr id="7" name="ZoneTexte 6"/>
+            <p:cNvSpPr txBox="1"/>
+            <p:nvPr/>
+          </p:nvSpPr>
+          <p:spPr>
+            <a:xfrm>
+              <a:off x="7236296" y="3501008"/>
+              <a:ext cx="300082" cy="369332"/>
+            </a:xfrm>
+            <a:prstGeom prst="rect">
+              <a:avLst/>
+            </a:prstGeom>
+            <a:noFill/>
+          </p:spPr>
+          <p:txBody>
+            <a:bodyPr wrap="none" rtlCol="0">
+              <a:spAutoFit/>
+            </a:bodyPr>
+            <a:lstStyle/>
+            <a:p>
+              <a:r>
+                <a:rPr lang="fr-FR" i="1" dirty="0" smtClean="0">
+                  <a:latin typeface="Helvetica" pitchFamily="34" charset="0"/>
+                </a:rPr>
+                <a:t>z</a:t>
+              </a:r>
+              <a:endParaRPr lang="fr-FR" i="1" dirty="0">
+                <a:latin typeface="Helvetica" pitchFamily="34" charset="0"/>
+              </a:endParaRPr>
+            </a:p>
+          </p:txBody>
+        </p:sp>
+        <p:cxnSp>
+          <p:nvCxnSpPr>
+            <p:cNvPr id="8" name="Connecteur droit 7"/>
+            <p:cNvCxnSpPr/>
+            <p:nvPr/>
+          </p:nvCxnSpPr>
+          <p:spPr>
+            <a:xfrm flipV="1">
+              <a:off x="1403648" y="2996952"/>
+              <a:ext cx="0" cy="584448"/>
+            </a:xfrm>
+            <a:prstGeom prst="line">
+              <a:avLst/>
+            </a:prstGeom>
+            <a:ln w="19050">
+              <a:solidFill>
+                <a:srgbClr val="C00000"/>
+              </a:solidFill>
+              <a:tailEnd type="triangle" w="lg" len="lg"/>
+            </a:ln>
+          </p:spPr>
+          <p:style>
+            <a:lnRef idx="1">
+              <a:schemeClr val="accent1"/>
+            </a:lnRef>
+            <a:fillRef idx="0">
+              <a:schemeClr val="accent1"/>
+            </a:fillRef>
+            <a:effectRef idx="0">
+              <a:schemeClr val="accent1"/>
+            </a:effectRef>
+            <a:fontRef idx="minor">
+              <a:schemeClr val="tx1"/>
+            </a:fontRef>
+          </p:style>
+        </p:cxnSp>
+        <p:cxnSp>
+          <p:nvCxnSpPr>
+            <p:cNvPr id="11" name="Connecteur droit 10"/>
+            <p:cNvCxnSpPr/>
+            <p:nvPr/>
+          </p:nvCxnSpPr>
+          <p:spPr>
+            <a:xfrm>
+              <a:off x="1403648" y="2996952"/>
+              <a:ext cx="2808312" cy="0"/>
+            </a:xfrm>
+            <a:prstGeom prst="line">
+              <a:avLst/>
+            </a:prstGeom>
+            <a:ln w="19050">
+              <a:solidFill>
+                <a:schemeClr val="bg1">
+                  <a:lumMod val="50000"/>
+                </a:schemeClr>
+              </a:solidFill>
+              <a:prstDash val="sysDash"/>
+              <a:tailEnd type="none" w="lg" len="lg"/>
+            </a:ln>
+          </p:spPr>
+          <p:style>
+            <a:lnRef idx="1">
+              <a:schemeClr val="accent1"/>
+            </a:lnRef>
+            <a:fillRef idx="0">
+              <a:schemeClr val="accent1"/>
+            </a:fillRef>
+            <a:effectRef idx="0">
+              <a:schemeClr val="accent1"/>
+            </a:effectRef>
+            <a:fontRef idx="minor">
+              <a:schemeClr val="tx1"/>
+            </a:fontRef>
+          </p:style>
+        </p:cxnSp>
+        <p:cxnSp>
+          <p:nvCxnSpPr>
+            <p:cNvPr id="13" name="Connecteur droit 12"/>
+            <p:cNvCxnSpPr/>
+            <p:nvPr/>
+          </p:nvCxnSpPr>
+          <p:spPr>
+            <a:xfrm rot="16200000" flipV="1">
+              <a:off x="3383868" y="3537013"/>
+              <a:ext cx="216024" cy="0"/>
+            </a:xfrm>
+            <a:prstGeom prst="line">
+              <a:avLst/>
+            </a:prstGeom>
+            <a:ln w="28575">
+              <a:solidFill>
+                <a:schemeClr val="tx1"/>
+              </a:solidFill>
+              <a:tailEnd type="none" w="lg" len="lg"/>
+            </a:ln>
+          </p:spPr>
+          <p:style>
+            <a:lnRef idx="1">
+              <a:schemeClr val="accent1"/>
+            </a:lnRef>
+            <a:fillRef idx="0">
+              <a:schemeClr val="accent1"/>
+            </a:fillRef>
+            <a:effectRef idx="0">
+              <a:schemeClr val="accent1"/>
+            </a:effectRef>
+            <a:fontRef idx="minor">
+              <a:schemeClr val="tx1"/>
+            </a:fontRef>
+          </p:style>
+        </p:cxnSp>
+        <p:cxnSp>
+          <p:nvCxnSpPr>
+            <p:cNvPr id="15" name="Connecteur droit 14"/>
+            <p:cNvCxnSpPr/>
+            <p:nvPr/>
+          </p:nvCxnSpPr>
+          <p:spPr>
+            <a:xfrm rot="16200000" flipV="1">
+              <a:off x="4824028" y="3537012"/>
+              <a:ext cx="216024" cy="0"/>
+            </a:xfrm>
+            <a:prstGeom prst="line">
+              <a:avLst/>
+            </a:prstGeom>
+            <a:ln w="28575">
+              <a:solidFill>
+                <a:schemeClr val="tx1"/>
+              </a:solidFill>
+              <a:tailEnd type="none" w="lg" len="lg"/>
+            </a:ln>
+          </p:spPr>
+          <p:style>
+            <a:lnRef idx="1">
+              <a:schemeClr val="accent1"/>
+            </a:lnRef>
+            <a:fillRef idx="0">
+              <a:schemeClr val="accent1"/>
+            </a:fillRef>
+            <a:effectRef idx="0">
+              <a:schemeClr val="accent1"/>
+            </a:effectRef>
+            <a:fontRef idx="minor">
+              <a:schemeClr val="tx1"/>
+            </a:fontRef>
+          </p:style>
+        </p:cxnSp>
+        <p:cxnSp>
+          <p:nvCxnSpPr>
+            <p:cNvPr id="21" name="Connecteur droit 20"/>
+            <p:cNvCxnSpPr/>
+            <p:nvPr/>
+          </p:nvCxnSpPr>
+          <p:spPr>
+            <a:xfrm>
+              <a:off x="4211960" y="2996952"/>
+              <a:ext cx="2304256" cy="1800200"/>
+            </a:xfrm>
+            <a:prstGeom prst="line">
+              <a:avLst/>
+            </a:prstGeom>
+            <a:ln w="19050">
+              <a:solidFill>
+                <a:schemeClr val="bg1">
+                  <a:lumMod val="50000"/>
+                </a:schemeClr>
+              </a:solidFill>
+              <a:prstDash val="sysDash"/>
+              <a:tailEnd type="none" w="lg" len="lg"/>
+            </a:ln>
+          </p:spPr>
+          <p:style>
+            <a:lnRef idx="1">
+              <a:schemeClr val="accent1"/>
+            </a:lnRef>
+            <a:fillRef idx="0">
+              <a:schemeClr val="accent1"/>
+            </a:fillRef>
+            <a:effectRef idx="0">
+              <a:schemeClr val="accent1"/>
+            </a:effectRef>
+            <a:fontRef idx="minor">
+              <a:schemeClr val="tx1"/>
+            </a:fontRef>
+          </p:style>
+        </p:cxnSp>
+        <p:cxnSp>
+          <p:nvCxnSpPr>
+            <p:cNvPr id="24" name="Connecteur droit 23"/>
+            <p:cNvCxnSpPr/>
+            <p:nvPr/>
+          </p:nvCxnSpPr>
+          <p:spPr>
+            <a:xfrm>
+              <a:off x="1403648" y="2996952"/>
+              <a:ext cx="5760640" cy="1152128"/>
+            </a:xfrm>
+            <a:prstGeom prst="line">
+              <a:avLst/>
+            </a:prstGeom>
+            <a:ln w="19050">
+              <a:solidFill>
+                <a:schemeClr val="bg1">
+                  <a:lumMod val="50000"/>
+                </a:schemeClr>
+              </a:solidFill>
+              <a:prstDash val="sysDash"/>
+              <a:tailEnd type="none" w="lg" len="lg"/>
+            </a:ln>
+          </p:spPr>
+          <p:style>
+            <a:lnRef idx="1">
+              <a:schemeClr val="accent1"/>
+            </a:lnRef>
+            <a:fillRef idx="0">
+              <a:schemeClr val="accent1"/>
+            </a:fillRef>
+            <a:effectRef idx="0">
+              <a:schemeClr val="accent1"/>
+            </a:effectRef>
+            <a:fontRef idx="minor">
+              <a:schemeClr val="tx1"/>
+            </a:fontRef>
+          </p:style>
+        </p:cxnSp>
+        <p:cxnSp>
+          <p:nvCxnSpPr>
+            <p:cNvPr id="28" name="Connecteur droit 27"/>
+            <p:cNvCxnSpPr/>
+            <p:nvPr/>
+          </p:nvCxnSpPr>
+          <p:spPr>
+            <a:xfrm>
+              <a:off x="5220072" y="3573016"/>
+              <a:ext cx="0" cy="216024"/>
+            </a:xfrm>
+            <a:prstGeom prst="line">
+              <a:avLst/>
+            </a:prstGeom>
+            <a:ln w="19050">
+              <a:solidFill>
+                <a:srgbClr val="C00000"/>
+              </a:solidFill>
+              <a:tailEnd type="triangle" w="lg" len="lg"/>
+            </a:ln>
+          </p:spPr>
+          <p:style>
+            <a:lnRef idx="1">
+              <a:schemeClr val="accent1"/>
+            </a:lnRef>
+            <a:fillRef idx="0">
+              <a:schemeClr val="accent1"/>
+            </a:fillRef>
+            <a:effectRef idx="0">
+              <a:schemeClr val="accent1"/>
+            </a:effectRef>
+            <a:fontRef idx="minor">
+              <a:schemeClr val="tx1"/>
+            </a:fontRef>
+          </p:style>
+        </p:cxnSp>
+        <p:sp>
+          <p:nvSpPr>
+            <p:cNvPr id="30" name="ZoneTexte 29"/>
+            <p:cNvSpPr txBox="1"/>
+            <p:nvPr/>
+          </p:nvSpPr>
+          <p:spPr>
+            <a:xfrm>
+              <a:off x="1043608" y="2780928"/>
+              <a:ext cx="343364" cy="369332"/>
+            </a:xfrm>
+            <a:prstGeom prst="rect">
+              <a:avLst/>
+            </a:prstGeom>
+            <a:noFill/>
+          </p:spPr>
+          <p:txBody>
+            <a:bodyPr wrap="none" rtlCol="0">
+              <a:spAutoFit/>
+            </a:bodyPr>
+            <a:lstStyle/>
+            <a:p>
+              <a:r>
+                <a:rPr lang="fr-FR" i="1" dirty="0" smtClean="0">
+                  <a:latin typeface="Helvetica" pitchFamily="34" charset="0"/>
+                </a:rPr>
+                <a:t>A</a:t>
+              </a:r>
+              <a:endParaRPr lang="fr-FR" i="1" dirty="0">
+                <a:latin typeface="Helvetica" pitchFamily="34" charset="0"/>
+              </a:endParaRPr>
+            </a:p>
+          </p:txBody>
+        </p:sp>
+        <p:sp>
+          <p:nvSpPr>
+            <p:cNvPr id="31" name="ZoneTexte 30"/>
+            <p:cNvSpPr txBox="1"/>
+            <p:nvPr/>
+          </p:nvSpPr>
+          <p:spPr>
+            <a:xfrm>
+              <a:off x="4860032" y="3789040"/>
+              <a:ext cx="381836" cy="369332"/>
+            </a:xfrm>
+            <a:prstGeom prst="rect">
+              <a:avLst/>
+            </a:prstGeom>
+            <a:noFill/>
+          </p:spPr>
+          <p:txBody>
+            <a:bodyPr wrap="none" rtlCol="0">
+              <a:spAutoFit/>
+            </a:bodyPr>
+            <a:lstStyle/>
+            <a:p>
+              <a:r>
+                <a:rPr lang="fr-FR" i="1" dirty="0" smtClean="0">
+                  <a:latin typeface="Helvetica" pitchFamily="34" charset="0"/>
+                </a:rPr>
+                <a:t>A’</a:t>
+              </a:r>
+              <a:endParaRPr lang="fr-FR" i="1" dirty="0">
+                <a:latin typeface="Helvetica" pitchFamily="34" charset="0"/>
+              </a:endParaRPr>
+            </a:p>
+          </p:txBody>
+        </p:sp>
+        <p:sp>
+          <p:nvSpPr>
+            <p:cNvPr id="32" name="ZoneTexte 31"/>
+            <p:cNvSpPr txBox="1"/>
+            <p:nvPr/>
+          </p:nvSpPr>
+          <p:spPr>
+            <a:xfrm>
+              <a:off x="3310166" y="3635732"/>
+              <a:ext cx="325730" cy="369332"/>
+            </a:xfrm>
+            <a:prstGeom prst="rect">
+              <a:avLst/>
+            </a:prstGeom>
+            <a:noFill/>
+          </p:spPr>
+          <p:txBody>
+            <a:bodyPr wrap="none" rtlCol="0">
+              <a:spAutoFit/>
+            </a:bodyPr>
+            <a:lstStyle/>
+            <a:p>
+              <a:r>
+                <a:rPr lang="fr-FR" i="1" dirty="0" smtClean="0">
+                  <a:latin typeface="Helvetica" pitchFamily="34" charset="0"/>
+                </a:rPr>
+                <a:t>F</a:t>
+              </a:r>
+              <a:endParaRPr lang="fr-FR" i="1" dirty="0">
+                <a:latin typeface="Helvetica" pitchFamily="34" charset="0"/>
+              </a:endParaRPr>
+            </a:p>
+          </p:txBody>
+        </p:sp>
+        <p:sp>
+          <p:nvSpPr>
+            <p:cNvPr id="33" name="ZoneTexte 32"/>
+            <p:cNvSpPr txBox="1"/>
+            <p:nvPr/>
+          </p:nvSpPr>
+          <p:spPr>
+            <a:xfrm>
+              <a:off x="4716016" y="3140968"/>
+              <a:ext cx="377026" cy="369332"/>
+            </a:xfrm>
+            <a:prstGeom prst="rect">
+              <a:avLst/>
+            </a:prstGeom>
+            <a:noFill/>
+          </p:spPr>
+          <p:txBody>
+            <a:bodyPr wrap="none" rtlCol="0">
+              <a:spAutoFit/>
+            </a:bodyPr>
+            <a:lstStyle/>
+            <a:p>
+              <a:r>
+                <a:rPr lang="fr-FR" i="1" dirty="0" smtClean="0">
+                  <a:latin typeface="Helvetica" pitchFamily="34" charset="0"/>
+                </a:rPr>
+                <a:t>F’</a:t>
+              </a:r>
+              <a:endParaRPr lang="fr-FR" i="1" dirty="0">
+                <a:latin typeface="Helvetica" pitchFamily="34" charset="0"/>
+              </a:endParaRPr>
+            </a:p>
+          </p:txBody>
+        </p:sp>
+      </p:grpSp>
       <p:cxnSp>
         <p:nvCxnSpPr>
-          <p:cNvPr id="3" name="Connecteur droit 2"/>
+          <p:cNvPr id="36" name="Connecteur droit 35"/>
           <p:cNvCxnSpPr/>
           <p:nvPr/>
         </p:nvCxnSpPr>
         <p:spPr>
           <a:xfrm>
-            <a:off x="899592" y="3573016"/>
+            <a:off x="1043608" y="4941168"/>
             <a:ext cx="6768752" cy="0"/>
           </a:xfrm>
           <a:prstGeom prst="line">
@@ -3220,7 +3741,7 @@
           </a:prstGeom>
           <a:ln w="28575">
             <a:solidFill>
-              <a:schemeClr val="accent1"/>
+              <a:schemeClr val="tx1"/>
             </a:solidFill>
             <a:tailEnd type="triangle" w="lg" len="lg"/>
           </a:ln>
@@ -3242,24 +3763,26 @@
       </p:cxnSp>
       <p:cxnSp>
         <p:nvCxnSpPr>
-          <p:cNvPr id="4" name="Connecteur droit 3"/>
+          <p:cNvPr id="37" name="Connecteur droit 36"/>
           <p:cNvCxnSpPr/>
           <p:nvPr/>
         </p:nvCxnSpPr>
         <p:spPr>
           <a:xfrm flipV="1">
-            <a:off x="4211960" y="2420888"/>
-            <a:ext cx="0" cy="2376264"/>
+            <a:off x="4355976" y="4077072"/>
+            <a:ext cx="0" cy="1584176"/>
           </a:xfrm>
           <a:prstGeom prst="line">
             <a:avLst/>
           </a:prstGeom>
           <a:ln w="38100">
             <a:solidFill>
-              <a:schemeClr val="accent1"/>
+              <a:schemeClr val="tx2">
+                <a:lumMod val="75000"/>
+              </a:schemeClr>
             </a:solidFill>
-            <a:headEnd type="triangle" w="lg" len="lg"/>
-            <a:tailEnd type="triangle" w="lg" len="lg"/>
+            <a:headEnd type="none" w="lg" len="lg"/>
+            <a:tailEnd type="none" w="lg" len="lg"/>
           </a:ln>
         </p:spPr>
         <p:style>
@@ -3279,13 +3802,13 @@
       </p:cxnSp>
       <p:sp>
         <p:nvSpPr>
-          <p:cNvPr id="7" name="ZoneTexte 6"/>
+          <p:cNvPr id="38" name="ZoneTexte 37"/>
           <p:cNvSpPr txBox="1"/>
           <p:nvPr/>
         </p:nvSpPr>
         <p:spPr>
           <a:xfrm>
-            <a:off x="7236296" y="3501008"/>
+            <a:off x="7380312" y="4869160"/>
             <a:ext cx="300082" cy="369332"/>
           </a:xfrm>
           <a:prstGeom prst="rect">
@@ -3313,13 +3836,13 @@
       </p:sp>
       <p:cxnSp>
         <p:nvCxnSpPr>
-          <p:cNvPr id="8" name="Connecteur droit 7"/>
+          <p:cNvPr id="39" name="Connecteur droit 38"/>
           <p:cNvCxnSpPr/>
           <p:nvPr/>
         </p:nvCxnSpPr>
         <p:spPr>
           <a:xfrm flipV="1">
-            <a:off x="1403648" y="2996952"/>
+            <a:off x="1547664" y="4365104"/>
             <a:ext cx="0" cy="584448"/>
           </a:xfrm>
           <a:prstGeom prst="line">
@@ -3327,7 +3850,7 @@
           </a:prstGeom>
           <a:ln w="19050">
             <a:solidFill>
-              <a:schemeClr val="accent1"/>
+              <a:srgbClr val="C00000"/>
             </a:solidFill>
             <a:tailEnd type="triangle" w="lg" len="lg"/>
           </a:ln>
@@ -3349,13 +3872,13 @@
       </p:cxnSp>
       <p:cxnSp>
         <p:nvCxnSpPr>
-          <p:cNvPr id="11" name="Connecteur droit 10"/>
+          <p:cNvPr id="40" name="Connecteur droit 39"/>
           <p:cNvCxnSpPr/>
           <p:nvPr/>
         </p:nvCxnSpPr>
         <p:spPr>
           <a:xfrm>
-            <a:off x="1403648" y="2996952"/>
+            <a:off x="1547664" y="4365104"/>
             <a:ext cx="2808312" cy="0"/>
           </a:xfrm>
           <a:prstGeom prst="line">
@@ -3363,7 +3886,9 @@
           </a:prstGeom>
           <a:ln w="19050">
             <a:solidFill>
-              <a:schemeClr val="accent1"/>
+              <a:schemeClr val="bg1">
+                <a:lumMod val="50000"/>
+              </a:schemeClr>
             </a:solidFill>
             <a:prstDash val="sysDash"/>
             <a:tailEnd type="none" w="lg" len="lg"/>
@@ -3386,13 +3911,13 @@
       </p:cxnSp>
       <p:cxnSp>
         <p:nvCxnSpPr>
-          <p:cNvPr id="13" name="Connecteur droit 12"/>
+          <p:cNvPr id="41" name="Connecteur droit 40"/>
           <p:cNvCxnSpPr/>
           <p:nvPr/>
         </p:nvCxnSpPr>
         <p:spPr>
           <a:xfrm rot="16200000" flipV="1">
-            <a:off x="3383868" y="3537013"/>
+            <a:off x="3527884" y="4905165"/>
             <a:ext cx="216024" cy="0"/>
           </a:xfrm>
           <a:prstGeom prst="line">
@@ -3400,7 +3925,7 @@
           </a:prstGeom>
           <a:ln w="28575">
             <a:solidFill>
-              <a:schemeClr val="accent1"/>
+              <a:schemeClr val="tx1"/>
             </a:solidFill>
             <a:tailEnd type="none" w="lg" len="lg"/>
           </a:ln>
@@ -3422,13 +3947,13 @@
       </p:cxnSp>
       <p:cxnSp>
         <p:nvCxnSpPr>
-          <p:cNvPr id="15" name="Connecteur droit 14"/>
+          <p:cNvPr id="42" name="Connecteur droit 41"/>
           <p:cNvCxnSpPr/>
           <p:nvPr/>
         </p:nvCxnSpPr>
         <p:spPr>
           <a:xfrm rot="16200000" flipV="1">
-            <a:off x="4824028" y="3537012"/>
+            <a:off x="4968044" y="4905164"/>
             <a:ext cx="216024" cy="0"/>
           </a:xfrm>
           <a:prstGeom prst="line">
@@ -3436,7 +3961,7 @@
           </a:prstGeom>
           <a:ln w="28575">
             <a:solidFill>
-              <a:schemeClr val="accent1"/>
+              <a:schemeClr val="tx1"/>
             </a:solidFill>
             <a:tailEnd type="none" w="lg" len="lg"/>
           </a:ln>
@@ -3458,13 +3983,13 @@
       </p:cxnSp>
       <p:cxnSp>
         <p:nvCxnSpPr>
-          <p:cNvPr id="21" name="Connecteur droit 20"/>
+          <p:cNvPr id="43" name="Connecteur droit 42"/>
           <p:cNvCxnSpPr/>
           <p:nvPr/>
         </p:nvCxnSpPr>
         <p:spPr>
           <a:xfrm>
-            <a:off x="4211960" y="2996952"/>
+            <a:off x="4355976" y="4365104"/>
             <a:ext cx="2304256" cy="1800200"/>
           </a:xfrm>
           <a:prstGeom prst="line">
@@ -3472,7 +3997,9 @@
           </a:prstGeom>
           <a:ln w="19050">
             <a:solidFill>
-              <a:schemeClr val="accent1"/>
+              <a:schemeClr val="bg1">
+                <a:lumMod val="50000"/>
+              </a:schemeClr>
             </a:solidFill>
             <a:prstDash val="sysDash"/>
             <a:tailEnd type="none" w="lg" len="lg"/>
@@ -3495,13 +4022,13 @@
       </p:cxnSp>
       <p:cxnSp>
         <p:nvCxnSpPr>
-          <p:cNvPr id="24" name="Connecteur droit 23"/>
+          <p:cNvPr id="44" name="Connecteur droit 43"/>
           <p:cNvCxnSpPr/>
           <p:nvPr/>
         </p:nvCxnSpPr>
         <p:spPr>
           <a:xfrm>
-            <a:off x="1403648" y="2996952"/>
+            <a:off x="1547664" y="4365104"/>
             <a:ext cx="5760640" cy="1152128"/>
           </a:xfrm>
           <a:prstGeom prst="line">
@@ -3509,7 +4036,9 @@
           </a:prstGeom>
           <a:ln w="19050">
             <a:solidFill>
-              <a:schemeClr val="accent1"/>
+              <a:schemeClr val="bg1">
+                <a:lumMod val="50000"/>
+              </a:schemeClr>
             </a:solidFill>
             <a:prstDash val="sysDash"/>
             <a:tailEnd type="none" w="lg" len="lg"/>
@@ -3532,13 +4061,13 @@
       </p:cxnSp>
       <p:cxnSp>
         <p:nvCxnSpPr>
-          <p:cNvPr id="28" name="Connecteur droit 27"/>
+          <p:cNvPr id="45" name="Connecteur droit 44"/>
           <p:cNvCxnSpPr/>
           <p:nvPr/>
         </p:nvCxnSpPr>
         <p:spPr>
           <a:xfrm>
-            <a:off x="5220072" y="3573016"/>
+            <a:off x="5364088" y="4941168"/>
             <a:ext cx="0" cy="216024"/>
           </a:xfrm>
           <a:prstGeom prst="line">
@@ -3546,7 +4075,7 @@
           </a:prstGeom>
           <a:ln w="19050">
             <a:solidFill>
-              <a:schemeClr val="accent1"/>
+              <a:srgbClr val="C00000"/>
             </a:solidFill>
             <a:tailEnd type="triangle" w="lg" len="lg"/>
           </a:ln>
@@ -3568,13 +4097,13 @@
       </p:cxnSp>
       <p:sp>
         <p:nvSpPr>
-          <p:cNvPr id="30" name="ZoneTexte 29"/>
+          <p:cNvPr id="46" name="ZoneTexte 45"/>
           <p:cNvSpPr txBox="1"/>
           <p:nvPr/>
         </p:nvSpPr>
         <p:spPr>
           <a:xfrm>
-            <a:off x="1043608" y="2780928"/>
+            <a:off x="1187624" y="4149080"/>
             <a:ext cx="343364" cy="369332"/>
           </a:xfrm>
           <a:prstGeom prst="rect">
@@ -3602,13 +4131,13 @@
       </p:sp>
       <p:sp>
         <p:nvSpPr>
-          <p:cNvPr id="31" name="ZoneTexte 30"/>
+          <p:cNvPr id="47" name="ZoneTexte 46"/>
           <p:cNvSpPr txBox="1"/>
           <p:nvPr/>
         </p:nvSpPr>
         <p:spPr>
           <a:xfrm>
-            <a:off x="4860032" y="3789040"/>
+            <a:off x="5004048" y="5157192"/>
             <a:ext cx="381836" cy="369332"/>
           </a:xfrm>
           <a:prstGeom prst="rect">
@@ -3636,13 +4165,13 @@
       </p:sp>
       <p:sp>
         <p:nvSpPr>
-          <p:cNvPr id="32" name="ZoneTexte 31"/>
+          <p:cNvPr id="48" name="ZoneTexte 47"/>
           <p:cNvSpPr txBox="1"/>
           <p:nvPr/>
         </p:nvSpPr>
         <p:spPr>
           <a:xfrm>
-            <a:off x="3310166" y="3635732"/>
+            <a:off x="3454182" y="5003884"/>
             <a:ext cx="325730" cy="369332"/>
           </a:xfrm>
           <a:prstGeom prst="rect">
@@ -3670,13 +4199,13 @@
       </p:sp>
       <p:sp>
         <p:nvSpPr>
-          <p:cNvPr id="33" name="ZoneTexte 32"/>
+          <p:cNvPr id="49" name="ZoneTexte 48"/>
           <p:cNvSpPr txBox="1"/>
           <p:nvPr/>
         </p:nvSpPr>
         <p:spPr>
           <a:xfrm>
-            <a:off x="4788024" y="3140968"/>
+            <a:off x="4860032" y="4509120"/>
             <a:ext cx="377026" cy="369332"/>
           </a:xfrm>
           <a:prstGeom prst="rect">
